--- a/Aula 02/2023.03.06 Aula 02 - Exercicios Complementares.pptx
+++ b/Aula 02/2023.03.06 Aula 02 - Exercicios Complementares.pptx
@@ -6,7 +6,7 @@
     <p:sldMasterId id="2147483699" r:id="rId2"/>
   </p:sldMasterIdLst>
   <p:notesMasterIdLst>
-    <p:notesMasterId r:id="rId12"/>
+    <p:notesMasterId r:id="rId13"/>
   </p:notesMasterIdLst>
   <p:sldIdLst>
     <p:sldId id="851" r:id="rId3"/>
@@ -17,7 +17,8 @@
     <p:sldId id="834" r:id="rId8"/>
     <p:sldId id="846" r:id="rId9"/>
     <p:sldId id="835" r:id="rId10"/>
-    <p:sldId id="856" r:id="rId11"/>
+    <p:sldId id="828" r:id="rId11"/>
+    <p:sldId id="856" r:id="rId12"/>
   </p:sldIdLst>
   <p:sldSz cx="9144000" cy="6858000" type="screen4x3"/>
   <p:notesSz cx="6858000" cy="9144000"/>
@@ -218,7 +219,7 @@
             <a:fld id="{4EA5E1ED-E65E-440E-8A4B-5F5DC973F797}" type="datetimeFigureOut">
               <a:rPr lang="pt-BR" smtClean="0"/>
               <a:pPr/>
-              <a:t>08/03/2023</a:t>
+              <a:t>13/03/2023</a:t>
             </a:fld>
             <a:endParaRPr lang="pt-BR"/>
           </a:p>
@@ -635,7 +636,7 @@
           <a:p>
             <a:fld id="{1787AD07-0C2A-424C-83EF-FCCF4A0D3BA0}" type="datetime1">
               <a:rPr lang="pt-BR" smtClean="0"/>
-              <a:t>08/03/2023</a:t>
+              <a:t>13/03/2023</a:t>
             </a:fld>
             <a:endParaRPr lang="pt-BR"/>
           </a:p>
@@ -804,7 +805,7 @@
           <a:p>
             <a:fld id="{2F92FB66-59C8-46A5-AD82-5DAAFD2DC390}" type="datetime1">
               <a:rPr lang="pt-BR" smtClean="0"/>
-              <a:t>08/03/2023</a:t>
+              <a:t>13/03/2023</a:t>
             </a:fld>
             <a:endParaRPr lang="pt-BR"/>
           </a:p>
@@ -983,7 +984,7 @@
           <a:p>
             <a:fld id="{3D5CC8D2-C61E-4471-AD68-1C0D45A8EAFC}" type="datetime1">
               <a:rPr lang="pt-BR" smtClean="0"/>
-              <a:t>08/03/2023</a:t>
+              <a:t>13/03/2023</a:t>
             </a:fld>
             <a:endParaRPr lang="pt-BR"/>
           </a:p>
@@ -1126,7 +1127,7 @@
           <a:p>
             <a:fld id="{C3E38981-C08A-4A29-B885-392FB4EE0709}" type="datetime1">
               <a:rPr lang="pt-BR" smtClean="0"/>
-              <a:t>08/03/2023</a:t>
+              <a:t>13/03/2023</a:t>
             </a:fld>
             <a:endParaRPr lang="en-US" dirty="0"/>
           </a:p>
@@ -1300,7 +1301,7 @@
           <a:p>
             <a:fld id="{2CFE63D7-5B4A-40A4-8FD4-EA63D1010EB7}" type="datetime1">
               <a:rPr lang="pt-BR" smtClean="0"/>
-              <a:t>08/03/2023</a:t>
+              <a:t>13/03/2023</a:t>
             </a:fld>
             <a:endParaRPr lang="en-US" dirty="0"/>
           </a:p>
@@ -1522,7 +1523,7 @@
           <a:p>
             <a:fld id="{A9719147-5557-4D76-A2C3-BF25882771D2}" type="datetime1">
               <a:rPr lang="pt-BR" smtClean="0"/>
-              <a:t>08/03/2023</a:t>
+              <a:t>13/03/2023</a:t>
             </a:fld>
             <a:endParaRPr lang="en-US" dirty="0"/>
           </a:p>
@@ -1835,7 +1836,7 @@
           <a:p>
             <a:fld id="{66250340-7104-44A8-88A9-88532CCE9C1C}" type="datetime1">
               <a:rPr lang="pt-BR" smtClean="0"/>
-              <a:t>08/03/2023</a:t>
+              <a:t>13/03/2023</a:t>
             </a:fld>
             <a:endParaRPr lang="en-US" dirty="0"/>
           </a:p>
@@ -2020,7 +2021,7 @@
           <a:p>
             <a:fld id="{D047EA32-7810-48BE-A9BB-EA3D8AA5AD34}" type="datetime1">
               <a:rPr lang="pt-BR" smtClean="0"/>
-              <a:t>08/03/2023</a:t>
+              <a:t>13/03/2023</a:t>
             </a:fld>
             <a:endParaRPr lang="en-US" dirty="0"/>
           </a:p>
@@ -2168,7 +2169,7 @@
           <a:p>
             <a:fld id="{7C28E9E9-B91F-400E-BE43-87BB4B5C6F4E}" type="datetime1">
               <a:rPr lang="pt-BR" smtClean="0"/>
-              <a:t>08/03/2023</a:t>
+              <a:t>13/03/2023</a:t>
             </a:fld>
             <a:endParaRPr lang="en-US" dirty="0"/>
           </a:p>
@@ -2420,7 +2421,7 @@
           <a:p>
             <a:fld id="{A9E773EA-BFD5-41D4-8CCD-2C9F67DAB481}" type="datetime1">
               <a:rPr lang="pt-BR" smtClean="0"/>
-              <a:t>08/03/2023</a:t>
+              <a:t>13/03/2023</a:t>
             </a:fld>
             <a:endParaRPr lang="pt-BR" dirty="0"/>
           </a:p>
@@ -2660,7 +2661,7 @@
           <a:p>
             <a:fld id="{DAA7C8B6-CF57-4A95-AF6C-A77E6C230ED3}" type="datetime1">
               <a:rPr lang="pt-BR" smtClean="0"/>
-              <a:t>08/03/2023</a:t>
+              <a:t>13/03/2023</a:t>
             </a:fld>
             <a:endParaRPr lang="pt-BR"/>
           </a:p>
@@ -2906,7 +2907,7 @@
           <a:p>
             <a:fld id="{34D50989-24C8-4023-9B0D-A6D249548FD9}" type="datetime1">
               <a:rPr lang="pt-BR" smtClean="0"/>
-              <a:t>08/03/2023</a:t>
+              <a:t>13/03/2023</a:t>
             </a:fld>
             <a:endParaRPr lang="pt-BR"/>
           </a:p>
@@ -3142,7 +3143,7 @@
           <a:p>
             <a:fld id="{8D9BC96A-9776-4585-A439-BC9E2DA226C1}" type="datetime1">
               <a:rPr lang="pt-BR" smtClean="0"/>
-              <a:t>08/03/2023</a:t>
+              <a:t>13/03/2023</a:t>
             </a:fld>
             <a:endParaRPr lang="pt-BR"/>
           </a:p>
@@ -3525,7 +3526,7 @@
           <a:p>
             <a:fld id="{7D12BE36-2922-4567-BD67-201EFA21BF6D}" type="datetime1">
               <a:rPr lang="pt-BR" smtClean="0"/>
-              <a:t>08/03/2023</a:t>
+              <a:t>13/03/2023</a:t>
             </a:fld>
             <a:endParaRPr lang="pt-BR"/>
           </a:p>
@@ -3637,7 +3638,7 @@
           <a:p>
             <a:fld id="{E5B462A9-4B1E-4013-BFB1-FC92225AC2F2}" type="datetime1">
               <a:rPr lang="pt-BR" smtClean="0"/>
-              <a:t>08/03/2023</a:t>
+              <a:t>13/03/2023</a:t>
             </a:fld>
             <a:endParaRPr lang="pt-BR"/>
           </a:p>
@@ -3721,7 +3722,7 @@
           <a:p>
             <a:fld id="{D0E6EC7A-67E7-4978-9BAE-C8F82A40B13B}" type="datetime1">
               <a:rPr lang="pt-BR" smtClean="0"/>
-              <a:t>08/03/2023</a:t>
+              <a:t>13/03/2023</a:t>
             </a:fld>
             <a:endParaRPr lang="pt-BR"/>
           </a:p>
@@ -4003,7 +4004,7 @@
           <a:p>
             <a:fld id="{6E085A4E-80B8-47DD-9D9B-8E1B205CBB30}" type="datetime1">
               <a:rPr lang="pt-BR" smtClean="0"/>
-              <a:t>08/03/2023</a:t>
+              <a:t>13/03/2023</a:t>
             </a:fld>
             <a:endParaRPr lang="pt-BR"/>
           </a:p>
@@ -4262,7 +4263,7 @@
           <a:p>
             <a:fld id="{F4E9A02C-D9AD-4B8C-9B93-B0980E8E86EB}" type="datetime1">
               <a:rPr lang="pt-BR" smtClean="0"/>
-              <a:t>08/03/2023</a:t>
+              <a:t>13/03/2023</a:t>
             </a:fld>
             <a:endParaRPr lang="pt-BR"/>
           </a:p>
@@ -4474,7 +4475,7 @@
           <a:p>
             <a:fld id="{202762D0-3A59-4B14-83BA-8E0FC8A60AB1}" type="datetime1">
               <a:rPr lang="pt-BR" smtClean="0"/>
-              <a:t>08/03/2023</a:t>
+              <a:t>13/03/2023</a:t>
             </a:fld>
             <a:endParaRPr lang="pt-BR"/>
           </a:p>
@@ -5374,6 +5375,615 @@
       </p:transition>
     </mc:Fallback>
   </mc:AlternateContent>
+</p:sld>
+</file>
+
+<file path=ppt/slides/slide10.xml><?xml version="1.0" encoding="utf-8"?>
+<p:sld xmlns:a="http://schemas.openxmlformats.org/drawingml/2006/main" xmlns:r="http://schemas.openxmlformats.org/officeDocument/2006/relationships" xmlns:p="http://schemas.openxmlformats.org/presentationml/2006/main">
+  <p:cSld>
+    <p:spTree>
+      <p:nvGrpSpPr>
+        <p:cNvPr id="1" name=""/>
+        <p:cNvGrpSpPr/>
+        <p:nvPr/>
+      </p:nvGrpSpPr>
+      <p:grpSpPr>
+        <a:xfrm>
+          <a:off x="0" y="0"/>
+          <a:ext cx="0" cy="0"/>
+          <a:chOff x="0" y="0"/>
+          <a:chExt cx="0" cy="0"/>
+        </a:xfrm>
+      </p:grpSpPr>
+      <p:sp>
+        <p:nvSpPr>
+          <p:cNvPr id="4" name="TextBox 6">
+            <a:extLst>
+              <a:ext uri="{FF2B5EF4-FFF2-40B4-BE49-F238E27FC236}">
+                <a16:creationId xmlns:a16="http://schemas.microsoft.com/office/drawing/2014/main" id="{9C8FC124-1965-51E9-99E7-D99D79B8FB37}"/>
+              </a:ext>
+            </a:extLst>
+          </p:cNvPr>
+          <p:cNvSpPr txBox="1"/>
+          <p:nvPr/>
+        </p:nvSpPr>
+        <p:spPr>
+          <a:xfrm>
+            <a:off x="228600" y="133350"/>
+            <a:ext cx="6324600" cy="646331"/>
+          </a:xfrm>
+          <a:prstGeom prst="rect">
+            <a:avLst/>
+          </a:prstGeom>
+          <a:noFill/>
+        </p:spPr>
+        <p:txBody>
+          <a:bodyPr wrap="square" rtlCol="0">
+            <a:spAutoFit/>
+          </a:bodyPr>
+          <a:lstStyle/>
+          <a:p>
+            <a:r>
+              <a:rPr lang="pt-BR" sz="3600" dirty="0">
+                <a:solidFill>
+                  <a:srgbClr val="ED145B"/>
+                </a:solidFill>
+                <a:latin typeface="Gotham HTF" pitchFamily="50" charset="0"/>
+                <a:cs typeface="Gotham HTF Light"/>
+              </a:rPr>
+              <a:t>Exercícios de Lei de Ohm</a:t>
+            </a:r>
+          </a:p>
+        </p:txBody>
+      </p:sp>
+      <p:sp>
+        <p:nvSpPr>
+          <p:cNvPr id="7" name="Espaço Reservado para Conteúdo 4">
+            <a:extLst>
+              <a:ext uri="{FF2B5EF4-FFF2-40B4-BE49-F238E27FC236}">
+                <a16:creationId xmlns:a16="http://schemas.microsoft.com/office/drawing/2014/main" id="{C076E48C-BDE2-485C-8226-89114F165508}"/>
+              </a:ext>
+            </a:extLst>
+          </p:cNvPr>
+          <p:cNvSpPr txBox="1">
+            <a:spLocks/>
+          </p:cNvSpPr>
+          <p:nvPr/>
+        </p:nvSpPr>
+        <p:spPr>
+          <a:xfrm>
+            <a:off x="395536" y="972550"/>
+            <a:ext cx="8352928" cy="4976730"/>
+          </a:xfrm>
+          <a:prstGeom prst="rect">
+            <a:avLst/>
+          </a:prstGeom>
+        </p:spPr>
+        <p:txBody>
+          <a:bodyPr/>
+          <a:lstStyle>
+            <a:lvl1pPr marL="228600" indent="-228600" algn="l" defTabSz="914400" rtl="0" eaLnBrk="1" latinLnBrk="0" hangingPunct="1">
+              <a:lnSpc>
+                <a:spcPct val="90000"/>
+              </a:lnSpc>
+              <a:spcBef>
+                <a:spcPts val="1000"/>
+              </a:spcBef>
+              <a:buFont typeface="Arial" panose="020B0604020202020204" pitchFamily="34" charset="0"/>
+              <a:buChar char="•"/>
+              <a:defRPr sz="2800" kern="1200">
+                <a:solidFill>
+                  <a:schemeClr val="tx1"/>
+                </a:solidFill>
+                <a:latin typeface="+mn-lt"/>
+                <a:ea typeface="+mn-ea"/>
+                <a:cs typeface="+mn-cs"/>
+              </a:defRPr>
+            </a:lvl1pPr>
+            <a:lvl2pPr marL="685800" indent="-228600" algn="l" defTabSz="914400" rtl="0" eaLnBrk="1" latinLnBrk="0" hangingPunct="1">
+              <a:lnSpc>
+                <a:spcPct val="90000"/>
+              </a:lnSpc>
+              <a:spcBef>
+                <a:spcPts val="500"/>
+              </a:spcBef>
+              <a:buFont typeface="Arial" panose="020B0604020202020204" pitchFamily="34" charset="0"/>
+              <a:buChar char="•"/>
+              <a:defRPr sz="2400" kern="1200">
+                <a:solidFill>
+                  <a:schemeClr val="tx1"/>
+                </a:solidFill>
+                <a:latin typeface="+mn-lt"/>
+                <a:ea typeface="+mn-ea"/>
+                <a:cs typeface="+mn-cs"/>
+              </a:defRPr>
+            </a:lvl2pPr>
+            <a:lvl3pPr marL="1143000" indent="-228600" algn="l" defTabSz="914400" rtl="0" eaLnBrk="1" latinLnBrk="0" hangingPunct="1">
+              <a:lnSpc>
+                <a:spcPct val="90000"/>
+              </a:lnSpc>
+              <a:spcBef>
+                <a:spcPts val="500"/>
+              </a:spcBef>
+              <a:buFont typeface="Arial" panose="020B0604020202020204" pitchFamily="34" charset="0"/>
+              <a:buChar char="•"/>
+              <a:defRPr sz="2000" kern="1200">
+                <a:solidFill>
+                  <a:schemeClr val="tx1"/>
+                </a:solidFill>
+                <a:latin typeface="+mn-lt"/>
+                <a:ea typeface="+mn-ea"/>
+                <a:cs typeface="+mn-cs"/>
+              </a:defRPr>
+            </a:lvl3pPr>
+            <a:lvl4pPr marL="1600200" indent="-228600" algn="l" defTabSz="914400" rtl="0" eaLnBrk="1" latinLnBrk="0" hangingPunct="1">
+              <a:lnSpc>
+                <a:spcPct val="90000"/>
+              </a:lnSpc>
+              <a:spcBef>
+                <a:spcPts val="500"/>
+              </a:spcBef>
+              <a:buFont typeface="Arial" panose="020B0604020202020204" pitchFamily="34" charset="0"/>
+              <a:buChar char="•"/>
+              <a:defRPr sz="1800" kern="1200">
+                <a:solidFill>
+                  <a:schemeClr val="tx1"/>
+                </a:solidFill>
+                <a:latin typeface="+mn-lt"/>
+                <a:ea typeface="+mn-ea"/>
+                <a:cs typeface="+mn-cs"/>
+              </a:defRPr>
+            </a:lvl4pPr>
+            <a:lvl5pPr marL="2057400" indent="-228600" algn="l" defTabSz="914400" rtl="0" eaLnBrk="1" latinLnBrk="0" hangingPunct="1">
+              <a:lnSpc>
+                <a:spcPct val="90000"/>
+              </a:lnSpc>
+              <a:spcBef>
+                <a:spcPts val="500"/>
+              </a:spcBef>
+              <a:buFont typeface="Arial" panose="020B0604020202020204" pitchFamily="34" charset="0"/>
+              <a:buChar char="•"/>
+              <a:defRPr sz="1800" kern="1200">
+                <a:solidFill>
+                  <a:schemeClr val="tx1"/>
+                </a:solidFill>
+                <a:latin typeface="+mn-lt"/>
+                <a:ea typeface="+mn-ea"/>
+                <a:cs typeface="+mn-cs"/>
+              </a:defRPr>
+            </a:lvl5pPr>
+            <a:lvl6pPr marL="2514600" indent="-228600" algn="l" defTabSz="914400" rtl="0" eaLnBrk="1" latinLnBrk="0" hangingPunct="1">
+              <a:lnSpc>
+                <a:spcPct val="90000"/>
+              </a:lnSpc>
+              <a:spcBef>
+                <a:spcPts val="500"/>
+              </a:spcBef>
+              <a:buFont typeface="Arial" panose="020B0604020202020204" pitchFamily="34" charset="0"/>
+              <a:buChar char="•"/>
+              <a:defRPr sz="1800" kern="1200">
+                <a:solidFill>
+                  <a:schemeClr val="tx1"/>
+                </a:solidFill>
+                <a:latin typeface="+mn-lt"/>
+                <a:ea typeface="+mn-ea"/>
+                <a:cs typeface="+mn-cs"/>
+              </a:defRPr>
+            </a:lvl6pPr>
+            <a:lvl7pPr marL="2971800" indent="-228600" algn="l" defTabSz="914400" rtl="0" eaLnBrk="1" latinLnBrk="0" hangingPunct="1">
+              <a:lnSpc>
+                <a:spcPct val="90000"/>
+              </a:lnSpc>
+              <a:spcBef>
+                <a:spcPts val="500"/>
+              </a:spcBef>
+              <a:buFont typeface="Arial" panose="020B0604020202020204" pitchFamily="34" charset="0"/>
+              <a:buChar char="•"/>
+              <a:defRPr sz="1800" kern="1200">
+                <a:solidFill>
+                  <a:schemeClr val="tx1"/>
+                </a:solidFill>
+                <a:latin typeface="+mn-lt"/>
+                <a:ea typeface="+mn-ea"/>
+                <a:cs typeface="+mn-cs"/>
+              </a:defRPr>
+            </a:lvl7pPr>
+            <a:lvl8pPr marL="3429000" indent="-228600" algn="l" defTabSz="914400" rtl="0" eaLnBrk="1" latinLnBrk="0" hangingPunct="1">
+              <a:lnSpc>
+                <a:spcPct val="90000"/>
+              </a:lnSpc>
+              <a:spcBef>
+                <a:spcPts val="500"/>
+              </a:spcBef>
+              <a:buFont typeface="Arial" panose="020B0604020202020204" pitchFamily="34" charset="0"/>
+              <a:buChar char="•"/>
+              <a:defRPr sz="1800" kern="1200">
+                <a:solidFill>
+                  <a:schemeClr val="tx1"/>
+                </a:solidFill>
+                <a:latin typeface="+mn-lt"/>
+                <a:ea typeface="+mn-ea"/>
+                <a:cs typeface="+mn-cs"/>
+              </a:defRPr>
+            </a:lvl8pPr>
+            <a:lvl9pPr marL="3886200" indent="-228600" algn="l" defTabSz="914400" rtl="0" eaLnBrk="1" latinLnBrk="0" hangingPunct="1">
+              <a:lnSpc>
+                <a:spcPct val="90000"/>
+              </a:lnSpc>
+              <a:spcBef>
+                <a:spcPts val="500"/>
+              </a:spcBef>
+              <a:buFont typeface="Arial" panose="020B0604020202020204" pitchFamily="34" charset="0"/>
+              <a:buChar char="•"/>
+              <a:defRPr sz="1800" kern="1200">
+                <a:solidFill>
+                  <a:schemeClr val="tx1"/>
+                </a:solidFill>
+                <a:latin typeface="+mn-lt"/>
+                <a:ea typeface="+mn-ea"/>
+                <a:cs typeface="+mn-cs"/>
+              </a:defRPr>
+            </a:lvl9pPr>
+          </a:lstStyle>
+          <a:p>
+            <a:pPr marL="342900" indent="-342900">
+              <a:buFont typeface="+mj-lt"/>
+              <a:buAutoNum type="arabicPeriod"/>
+            </a:pPr>
+            <a:r>
+              <a:rPr lang="pt-BR" sz="1400" dirty="0">
+                <a:latin typeface="Gotham HTF"/>
+              </a:rPr>
+              <a:t>Um resistor de 220 Ω é alimentado por uma fonte de 12V. Qual é a corrente elétrica que passa pelo resistor?</a:t>
+            </a:r>
+          </a:p>
+          <a:p>
+            <a:pPr marL="342900" indent="-342900">
+              <a:buFont typeface="+mj-lt"/>
+              <a:buAutoNum type="arabicPeriod"/>
+            </a:pPr>
+            <a:r>
+              <a:rPr lang="pt-BR" sz="1400" dirty="0">
+                <a:latin typeface="Gotham HTF"/>
+              </a:rPr>
+              <a:t>Um resistor de 100 Ω é alimentado por uma corrente elétrica de 1,5 A. Qual é a tensão elétrica aplicada no resistor?</a:t>
+            </a:r>
+          </a:p>
+          <a:p>
+            <a:pPr marL="342900" indent="-342900">
+              <a:buFont typeface="+mj-lt"/>
+              <a:buAutoNum type="arabicPeriod"/>
+            </a:pPr>
+            <a:r>
+              <a:rPr lang="pt-BR" sz="1400" dirty="0">
+                <a:latin typeface="Gotham HTF"/>
+              </a:rPr>
+              <a:t>Um resistor de 470 Ω é alimentado por uma tensão elétrica de 5V. Qual é a corrente elétrica que passa pelo resistor?</a:t>
+            </a:r>
+          </a:p>
+          <a:p>
+            <a:pPr marL="342900" indent="-342900">
+              <a:buFont typeface="+mj-lt"/>
+              <a:buAutoNum type="arabicPeriod"/>
+            </a:pPr>
+            <a:r>
+              <a:rPr lang="pt-BR" sz="1400" dirty="0">
+                <a:latin typeface="Gotham HTF"/>
+              </a:rPr>
+              <a:t>Um resistor de 33 Ω é alimentado por uma tensão elétrica de 9V. Qual é a corrente elétrica que passa pelo resistor?</a:t>
+            </a:r>
+          </a:p>
+          <a:p>
+            <a:pPr marL="342900" indent="-342900">
+              <a:buFont typeface="+mj-lt"/>
+              <a:buAutoNum type="arabicPeriod"/>
+            </a:pPr>
+            <a:r>
+              <a:rPr lang="pt-BR" sz="1400" dirty="0">
+                <a:latin typeface="Gotham HTF"/>
+              </a:rPr>
+              <a:t>Um resistor de 220 Ω é alimentado por uma corrente elétrica de 20 </a:t>
+            </a:r>
+            <a:r>
+              <a:rPr lang="pt-BR" sz="1400" dirty="0" err="1">
+                <a:latin typeface="Gotham HTF"/>
+              </a:rPr>
+              <a:t>mA.</a:t>
+            </a:r>
+            <a:r>
+              <a:rPr lang="pt-BR" sz="1400" dirty="0">
+                <a:latin typeface="Gotham HTF"/>
+              </a:rPr>
+              <a:t> Qual é a tensão elétrica aplicada no resistor?</a:t>
+            </a:r>
+          </a:p>
+        </p:txBody>
+      </p:sp>
+    </p:spTree>
+    <p:extLst>
+      <p:ext uri="{BB962C8B-B14F-4D97-AF65-F5344CB8AC3E}">
+        <p14:creationId xmlns:p14="http://schemas.microsoft.com/office/powerpoint/2010/main" val="804863063"/>
+      </p:ext>
+    </p:extLst>
+  </p:cSld>
+  <p:clrMapOvr>
+    <a:masterClrMapping/>
+  </p:clrMapOvr>
+  <p:timing>
+    <p:tnLst>
+      <p:par>
+        <p:cTn id="1" dur="indefinite" restart="never" nodeType="tmRoot">
+          <p:childTnLst>
+            <p:seq concurrent="1" nextAc="seek">
+              <p:cTn id="2" dur="indefinite" nodeType="mainSeq">
+                <p:childTnLst>
+                  <p:par>
+                    <p:cTn id="3" fill="hold">
+                      <p:stCondLst>
+                        <p:cond delay="indefinite"/>
+                      </p:stCondLst>
+                      <p:childTnLst>
+                        <p:par>
+                          <p:cTn id="4" fill="hold">
+                            <p:stCondLst>
+                              <p:cond delay="0"/>
+                            </p:stCondLst>
+                            <p:childTnLst>
+                              <p:par>
+                                <p:cTn id="5" presetID="1" presetClass="entr" presetSubtype="0" fill="hold" nodeType="clickEffect">
+                                  <p:stCondLst>
+                                    <p:cond delay="0"/>
+                                  </p:stCondLst>
+                                  <p:childTnLst>
+                                    <p:set>
+                                      <p:cBhvr>
+                                        <p:cTn id="6" dur="1" fill="hold">
+                                          <p:stCondLst>
+                                            <p:cond delay="0"/>
+                                          </p:stCondLst>
+                                        </p:cTn>
+                                        <p:tgtEl>
+                                          <p:spTgt spid="7">
+                                            <p:txEl>
+                                              <p:pRg st="0" end="0"/>
+                                            </p:txEl>
+                                          </p:spTgt>
+                                        </p:tgtEl>
+                                        <p:attrNameLst>
+                                          <p:attrName>style.visibility</p:attrName>
+                                        </p:attrNameLst>
+                                      </p:cBhvr>
+                                      <p:to>
+                                        <p:strVal val="visible"/>
+                                      </p:to>
+                                    </p:set>
+                                  </p:childTnLst>
+                                </p:cTn>
+                              </p:par>
+                            </p:childTnLst>
+                          </p:cTn>
+                        </p:par>
+                      </p:childTnLst>
+                    </p:cTn>
+                  </p:par>
+                  <p:par>
+                    <p:cTn id="7" fill="hold">
+                      <p:stCondLst>
+                        <p:cond delay="indefinite"/>
+                      </p:stCondLst>
+                      <p:childTnLst>
+                        <p:par>
+                          <p:cTn id="8" fill="hold">
+                            <p:stCondLst>
+                              <p:cond delay="0"/>
+                            </p:stCondLst>
+                            <p:childTnLst>
+                              <p:par>
+                                <p:cTn id="9" presetID="1" presetClass="entr" presetSubtype="0" fill="hold" nodeType="clickEffect">
+                                  <p:stCondLst>
+                                    <p:cond delay="0"/>
+                                  </p:stCondLst>
+                                  <p:childTnLst>
+                                    <p:set>
+                                      <p:cBhvr>
+                                        <p:cTn id="10" dur="1" fill="hold">
+                                          <p:stCondLst>
+                                            <p:cond delay="0"/>
+                                          </p:stCondLst>
+                                        </p:cTn>
+                                        <p:tgtEl>
+                                          <p:spTgt spid="7">
+                                            <p:txEl>
+                                              <p:pRg st="1" end="1"/>
+                                            </p:txEl>
+                                          </p:spTgt>
+                                        </p:tgtEl>
+                                        <p:attrNameLst>
+                                          <p:attrName>style.visibility</p:attrName>
+                                        </p:attrNameLst>
+                                      </p:cBhvr>
+                                      <p:to>
+                                        <p:strVal val="visible"/>
+                                      </p:to>
+                                    </p:set>
+                                  </p:childTnLst>
+                                </p:cTn>
+                              </p:par>
+                            </p:childTnLst>
+                          </p:cTn>
+                        </p:par>
+                      </p:childTnLst>
+                    </p:cTn>
+                  </p:par>
+                  <p:par>
+                    <p:cTn id="11" fill="hold">
+                      <p:stCondLst>
+                        <p:cond delay="indefinite"/>
+                      </p:stCondLst>
+                      <p:childTnLst>
+                        <p:par>
+                          <p:cTn id="12" fill="hold">
+                            <p:stCondLst>
+                              <p:cond delay="0"/>
+                            </p:stCondLst>
+                            <p:childTnLst>
+                              <p:par>
+                                <p:cTn id="13" presetID="1" presetClass="entr" presetSubtype="0" fill="hold" nodeType="clickEffect">
+                                  <p:stCondLst>
+                                    <p:cond delay="0"/>
+                                  </p:stCondLst>
+                                  <p:childTnLst>
+                                    <p:set>
+                                      <p:cBhvr>
+                                        <p:cTn id="14" dur="1" fill="hold">
+                                          <p:stCondLst>
+                                            <p:cond delay="0"/>
+                                          </p:stCondLst>
+                                        </p:cTn>
+                                        <p:tgtEl>
+                                          <p:spTgt spid="7">
+                                            <p:txEl>
+                                              <p:pRg st="2" end="2"/>
+                                            </p:txEl>
+                                          </p:spTgt>
+                                        </p:tgtEl>
+                                        <p:attrNameLst>
+                                          <p:attrName>style.visibility</p:attrName>
+                                        </p:attrNameLst>
+                                      </p:cBhvr>
+                                      <p:to>
+                                        <p:strVal val="visible"/>
+                                      </p:to>
+                                    </p:set>
+                                  </p:childTnLst>
+                                </p:cTn>
+                              </p:par>
+                            </p:childTnLst>
+                          </p:cTn>
+                        </p:par>
+                      </p:childTnLst>
+                    </p:cTn>
+                  </p:par>
+                  <p:par>
+                    <p:cTn id="15" fill="hold">
+                      <p:stCondLst>
+                        <p:cond delay="indefinite"/>
+                      </p:stCondLst>
+                      <p:childTnLst>
+                        <p:par>
+                          <p:cTn id="16" fill="hold">
+                            <p:stCondLst>
+                              <p:cond delay="0"/>
+                            </p:stCondLst>
+                            <p:childTnLst>
+                              <p:par>
+                                <p:cTn id="17" presetID="1" presetClass="entr" presetSubtype="0" fill="hold" nodeType="clickEffect">
+                                  <p:stCondLst>
+                                    <p:cond delay="0"/>
+                                  </p:stCondLst>
+                                  <p:childTnLst>
+                                    <p:set>
+                                      <p:cBhvr>
+                                        <p:cTn id="18" dur="1" fill="hold">
+                                          <p:stCondLst>
+                                            <p:cond delay="0"/>
+                                          </p:stCondLst>
+                                        </p:cTn>
+                                        <p:tgtEl>
+                                          <p:spTgt spid="7">
+                                            <p:txEl>
+                                              <p:pRg st="3" end="3"/>
+                                            </p:txEl>
+                                          </p:spTgt>
+                                        </p:tgtEl>
+                                        <p:attrNameLst>
+                                          <p:attrName>style.visibility</p:attrName>
+                                        </p:attrNameLst>
+                                      </p:cBhvr>
+                                      <p:to>
+                                        <p:strVal val="visible"/>
+                                      </p:to>
+                                    </p:set>
+                                  </p:childTnLst>
+                                </p:cTn>
+                              </p:par>
+                            </p:childTnLst>
+                          </p:cTn>
+                        </p:par>
+                      </p:childTnLst>
+                    </p:cTn>
+                  </p:par>
+                  <p:par>
+                    <p:cTn id="19" fill="hold">
+                      <p:stCondLst>
+                        <p:cond delay="indefinite"/>
+                      </p:stCondLst>
+                      <p:childTnLst>
+                        <p:par>
+                          <p:cTn id="20" fill="hold">
+                            <p:stCondLst>
+                              <p:cond delay="0"/>
+                            </p:stCondLst>
+                            <p:childTnLst>
+                              <p:par>
+                                <p:cTn id="21" presetID="1" presetClass="entr" presetSubtype="0" fill="hold" nodeType="clickEffect">
+                                  <p:stCondLst>
+                                    <p:cond delay="0"/>
+                                  </p:stCondLst>
+                                  <p:childTnLst>
+                                    <p:set>
+                                      <p:cBhvr>
+                                        <p:cTn id="22" dur="1" fill="hold">
+                                          <p:stCondLst>
+                                            <p:cond delay="0"/>
+                                          </p:stCondLst>
+                                        </p:cTn>
+                                        <p:tgtEl>
+                                          <p:spTgt spid="7">
+                                            <p:txEl>
+                                              <p:pRg st="4" end="4"/>
+                                            </p:txEl>
+                                          </p:spTgt>
+                                        </p:tgtEl>
+                                        <p:attrNameLst>
+                                          <p:attrName>style.visibility</p:attrName>
+                                        </p:attrNameLst>
+                                      </p:cBhvr>
+                                      <p:to>
+                                        <p:strVal val="visible"/>
+                                      </p:to>
+                                    </p:set>
+                                  </p:childTnLst>
+                                </p:cTn>
+                              </p:par>
+                            </p:childTnLst>
+                          </p:cTn>
+                        </p:par>
+                      </p:childTnLst>
+                    </p:cTn>
+                  </p:par>
+                </p:childTnLst>
+              </p:cTn>
+              <p:prevCondLst>
+                <p:cond evt="onPrev" delay="0">
+                  <p:tgtEl>
+                    <p:sldTgt/>
+                  </p:tgtEl>
+                </p:cond>
+              </p:prevCondLst>
+              <p:nextCondLst>
+                <p:cond evt="onNext" delay="0">
+                  <p:tgtEl>
+                    <p:sldTgt/>
+                  </p:tgtEl>
+                </p:cond>
+              </p:nextCondLst>
+            </p:seq>
+          </p:childTnLst>
+        </p:cTn>
+      </p:par>
+    </p:tnLst>
+  </p:timing>
 </p:sld>
 </file>
 
@@ -9582,10 +10192,10 @@
       </p:grpSpPr>
       <p:sp>
         <p:nvSpPr>
-          <p:cNvPr id="4" name="TextBox 6">
+          <p:cNvPr id="9" name="TextBox 6">
             <a:extLst>
               <a:ext uri="{FF2B5EF4-FFF2-40B4-BE49-F238E27FC236}">
-                <a16:creationId xmlns:a16="http://schemas.microsoft.com/office/drawing/2014/main" id="{9C8FC124-1965-51E9-99E7-D99D79B8FB37}"/>
+                <a16:creationId xmlns:a16="http://schemas.microsoft.com/office/drawing/2014/main" id="{225765AD-71F7-DC36-6CE8-E9873BEE1F3F}"/>
               </a:ext>
             </a:extLst>
           </p:cNvPr>
@@ -9595,7 +10205,7 @@
         <p:spPr>
           <a:xfrm>
             <a:off x="228600" y="133350"/>
-            <a:ext cx="6324600" cy="646331"/>
+            <a:ext cx="6324600" cy="1323439"/>
           </a:xfrm>
           <a:prstGeom prst="rect">
             <a:avLst/>
@@ -9609,291 +10219,643 @@
           <a:lstStyle/>
           <a:p>
             <a:r>
-              <a:rPr lang="pt-BR" sz="3600" dirty="0">
+              <a:rPr lang="pt-BR" sz="4000" dirty="0">
                 <a:solidFill>
                   <a:srgbClr val="ED145B"/>
                 </a:solidFill>
                 <a:latin typeface="Gotham HTF" pitchFamily="50" charset="0"/>
                 <a:cs typeface="Gotham HTF Light"/>
               </a:rPr>
-              <a:t>Exercícios de Lei de Ohm</a:t>
-            </a:r>
+              <a:t>Conhecendo o Hardware – Resistor</a:t>
+            </a:r>
+          </a:p>
+        </p:txBody>
+      </p:sp>
+      <mc:AlternateContent xmlns:mc="http://schemas.openxmlformats.org/markup-compatibility/2006" xmlns:a14="http://schemas.microsoft.com/office/drawing/2010/main">
+        <mc:Choice Requires="a14">
+          <p:sp>
+            <p:nvSpPr>
+              <p:cNvPr id="2" name="CaixaDeTexto 1">
+                <a:extLst>
+                  <a:ext uri="{FF2B5EF4-FFF2-40B4-BE49-F238E27FC236}">
+                    <a16:creationId xmlns:a16="http://schemas.microsoft.com/office/drawing/2014/main" id="{F8CECF5A-DC02-175D-0030-739E253CF9E6}"/>
+                  </a:ext>
+                </a:extLst>
+              </p:cNvPr>
+              <p:cNvSpPr txBox="1"/>
+              <p:nvPr/>
+            </p:nvSpPr>
+            <p:spPr>
+              <a:xfrm>
+                <a:off x="683568" y="1772816"/>
+                <a:ext cx="2431756" cy="516745"/>
+              </a:xfrm>
+              <a:prstGeom prst="rect">
+                <a:avLst/>
+              </a:prstGeom>
+              <a:noFill/>
+            </p:spPr>
+            <p:txBody>
+              <a:bodyPr wrap="none" lIns="0" tIns="0" rIns="0" bIns="0" rtlCol="0">
+                <a:spAutoFit/>
+              </a:bodyPr>
+              <a:lstStyle/>
+              <a:p>
+                <a:pPr/>
+                <a14:m>
+                  <m:oMathPara xmlns:m="http://schemas.openxmlformats.org/officeDocument/2006/math">
+                    <m:oMathParaPr>
+                      <m:jc m:val="centerGroup"/>
+                    </m:oMathParaPr>
+                    <m:oMath xmlns:m="http://schemas.openxmlformats.org/officeDocument/2006/math">
+                      <m:r>
+                        <a:rPr lang="pt-BR" b="0" i="1" smtClean="0">
+                          <a:latin typeface="Cambria Math" panose="02040503050406030204" pitchFamily="18" charset="0"/>
+                        </a:rPr>
+                        <m:t>𝐿𝐸𝐼</m:t>
+                      </m:r>
+                      <m:r>
+                        <a:rPr lang="pt-BR" b="0" i="1" smtClean="0">
+                          <a:latin typeface="Cambria Math" panose="02040503050406030204" pitchFamily="18" charset="0"/>
+                        </a:rPr>
+                        <m:t> </m:t>
+                      </m:r>
+                      <m:r>
+                        <a:rPr lang="pt-BR" b="0" i="1" smtClean="0">
+                          <a:latin typeface="Cambria Math" panose="02040503050406030204" pitchFamily="18" charset="0"/>
+                        </a:rPr>
+                        <m:t>𝑑𝑒</m:t>
+                      </m:r>
+                      <m:r>
+                        <a:rPr lang="pt-BR" b="0" i="1" smtClean="0">
+                          <a:latin typeface="Cambria Math" panose="02040503050406030204" pitchFamily="18" charset="0"/>
+                        </a:rPr>
+                        <m:t> </m:t>
+                      </m:r>
+                      <m:r>
+                        <a:rPr lang="pt-BR" b="0" i="1" smtClean="0">
+                          <a:latin typeface="Cambria Math" panose="02040503050406030204" pitchFamily="18" charset="0"/>
+                        </a:rPr>
+                        <m:t>𝑂𝐻𝑀</m:t>
+                      </m:r>
+                      <m:r>
+                        <a:rPr lang="pt-BR" b="0" i="1" smtClean="0">
+                          <a:latin typeface="Cambria Math" panose="02040503050406030204" pitchFamily="18" charset="0"/>
+                        </a:rPr>
+                        <m:t> →</m:t>
+                      </m:r>
+                      <m:r>
+                        <a:rPr lang="pt-BR" b="0" i="1" smtClean="0">
+                          <a:latin typeface="Cambria Math" panose="02040503050406030204" pitchFamily="18" charset="0"/>
+                        </a:rPr>
+                        <m:t>𝑅</m:t>
+                      </m:r>
+                      <m:r>
+                        <a:rPr lang="pt-BR" b="0" i="1" smtClean="0">
+                          <a:latin typeface="Cambria Math" panose="02040503050406030204" pitchFamily="18" charset="0"/>
+                        </a:rPr>
+                        <m:t>= </m:t>
+                      </m:r>
+                      <m:f>
+                        <m:fPr>
+                          <m:ctrlPr>
+                            <a:rPr lang="pt-BR" b="0" i="1" smtClean="0">
+                              <a:latin typeface="Cambria Math" panose="02040503050406030204" pitchFamily="18" charset="0"/>
+                            </a:rPr>
+                          </m:ctrlPr>
+                        </m:fPr>
+                        <m:num>
+                          <m:r>
+                            <a:rPr lang="pt-BR" b="0" i="1" smtClean="0">
+                              <a:latin typeface="Cambria Math" panose="02040503050406030204" pitchFamily="18" charset="0"/>
+                            </a:rPr>
+                            <m:t>𝑉</m:t>
+                          </m:r>
+                        </m:num>
+                        <m:den>
+                          <m:r>
+                            <a:rPr lang="pt-BR" b="0" i="1" smtClean="0">
+                              <a:latin typeface="Cambria Math" panose="02040503050406030204" pitchFamily="18" charset="0"/>
+                            </a:rPr>
+                            <m:t>𝐼</m:t>
+                          </m:r>
+                        </m:den>
+                      </m:f>
+                      <m:r>
+                        <a:rPr lang="pt-BR" b="0" i="1" smtClean="0">
+                          <a:latin typeface="Cambria Math" panose="02040503050406030204" pitchFamily="18" charset="0"/>
+                        </a:rPr>
+                        <m:t>  </m:t>
+                      </m:r>
+                    </m:oMath>
+                  </m:oMathPara>
+                </a14:m>
+                <a:endParaRPr lang="pt-BR" dirty="0"/>
+              </a:p>
+            </p:txBody>
+          </p:sp>
+        </mc:Choice>
+        <mc:Fallback xmlns="">
+          <p:sp>
+            <p:nvSpPr>
+              <p:cNvPr id="2" name="CaixaDeTexto 1">
+                <a:extLst>
+                  <a:ext uri="{FF2B5EF4-FFF2-40B4-BE49-F238E27FC236}">
+                    <a16:creationId xmlns:a16="http://schemas.microsoft.com/office/drawing/2014/main" id="{F8CECF5A-DC02-175D-0030-739E253CF9E6}"/>
+                  </a:ext>
+                </a:extLst>
+              </p:cNvPr>
+              <p:cNvSpPr txBox="1">
+                <a:spLocks noRot="1" noChangeAspect="1" noMove="1" noResize="1" noEditPoints="1" noAdjustHandles="1" noChangeArrowheads="1" noChangeShapeType="1" noTextEdit="1"/>
+              </p:cNvSpPr>
+              <p:nvPr/>
+            </p:nvSpPr>
+            <p:spPr>
+              <a:xfrm>
+                <a:off x="683568" y="1772816"/>
+                <a:ext cx="2431756" cy="516745"/>
+              </a:xfrm>
+              <a:prstGeom prst="rect">
+                <a:avLst/>
+              </a:prstGeom>
+              <a:blipFill>
+                <a:blip r:embed="rId2"/>
+                <a:stretch>
+                  <a:fillRect/>
+                </a:stretch>
+              </a:blipFill>
+            </p:spPr>
+            <p:txBody>
+              <a:bodyPr/>
+              <a:lstStyle/>
+              <a:p>
+                <a:r>
+                  <a:rPr lang="pt-BR">
+                    <a:noFill/>
+                  </a:rPr>
+                  <a:t> </a:t>
+                </a:r>
+              </a:p>
+            </p:txBody>
+          </p:sp>
+        </mc:Fallback>
+      </mc:AlternateContent>
+      <p:sp>
+        <p:nvSpPr>
+          <p:cNvPr id="3" name="CaixaDeTexto 2">
+            <a:extLst>
+              <a:ext uri="{FF2B5EF4-FFF2-40B4-BE49-F238E27FC236}">
+                <a16:creationId xmlns:a16="http://schemas.microsoft.com/office/drawing/2014/main" id="{420F9883-61FF-5DE3-F1EF-FB0AE641692B}"/>
+              </a:ext>
+            </a:extLst>
+          </p:cNvPr>
+          <p:cNvSpPr txBox="1"/>
+          <p:nvPr/>
+        </p:nvSpPr>
+        <p:spPr>
+          <a:xfrm>
+            <a:off x="467544" y="2348880"/>
+            <a:ext cx="5904656" cy="1162113"/>
+          </a:xfrm>
+          <a:prstGeom prst="rect">
+            <a:avLst/>
+          </a:prstGeom>
+          <a:noFill/>
+        </p:spPr>
+        <p:txBody>
+          <a:bodyPr wrap="square">
+            <a:spAutoFit/>
+          </a:bodyPr>
+          <a:lstStyle/>
+          <a:p>
+            <a:pPr marL="342900" indent="-342900">
+              <a:lnSpc>
+                <a:spcPct val="150000"/>
+              </a:lnSpc>
+              <a:buClr>
+                <a:srgbClr val="ED145B"/>
+              </a:buClr>
+              <a:buFont typeface="Wingdings" panose="05000000000000000000" pitchFamily="2" charset="2"/>
+              <a:buChar char="Ø"/>
+            </a:pPr>
+            <a:r>
+              <a:rPr lang="en-US" sz="1600" dirty="0">
+                <a:latin typeface="Gotham HTF Light"/>
+                <a:cs typeface="Gotham HTF Light"/>
+              </a:rPr>
+              <a:t>R = </a:t>
+            </a:r>
+            <a:r>
+              <a:rPr lang="en-US" sz="1600" dirty="0" err="1">
+                <a:latin typeface="Gotham HTF Light"/>
+                <a:cs typeface="Gotham HTF Light"/>
+              </a:rPr>
+              <a:t>Resistência</a:t>
+            </a:r>
+            <a:r>
+              <a:rPr lang="en-US" sz="1600" dirty="0">
+                <a:latin typeface="Gotham HTF Light"/>
+                <a:cs typeface="Gotham HTF Light"/>
+              </a:rPr>
+              <a:t> </a:t>
+            </a:r>
+            <a:r>
+              <a:rPr lang="en-US" sz="1600" dirty="0" err="1">
+                <a:latin typeface="Gotham HTF Light"/>
+                <a:cs typeface="Gotham HTF Light"/>
+              </a:rPr>
+              <a:t>Elétrica</a:t>
+            </a:r>
+            <a:r>
+              <a:rPr lang="en-US" sz="1600" dirty="0">
+                <a:latin typeface="Gotham HTF Light"/>
+                <a:cs typeface="Gotham HTF Light"/>
+              </a:rPr>
+              <a:t> </a:t>
+            </a:r>
+            <a:r>
+              <a:rPr lang="en-US" sz="1600" dirty="0" err="1">
+                <a:latin typeface="Gotham HTF Light"/>
+                <a:cs typeface="Gotham HTF Light"/>
+              </a:rPr>
+              <a:t>em</a:t>
+            </a:r>
+            <a:r>
+              <a:rPr lang="en-US" sz="1600" dirty="0">
+                <a:latin typeface="Gotham HTF Light"/>
+                <a:cs typeface="Gotham HTF Light"/>
+              </a:rPr>
+              <a:t> Ohms(</a:t>
+            </a:r>
+            <a:r>
+              <a:rPr lang="el-GR" sz="1600" dirty="0">
+                <a:latin typeface="Gotham HTF Light"/>
+                <a:cs typeface="Gotham HTF Light"/>
+              </a:rPr>
+              <a:t>Ω</a:t>
+            </a:r>
+            <a:r>
+              <a:rPr lang="pt-BR" sz="1600" dirty="0">
+                <a:latin typeface="Gotham HTF Light"/>
+                <a:cs typeface="Gotham HTF Light"/>
+              </a:rPr>
+              <a:t>);</a:t>
+            </a:r>
+          </a:p>
+          <a:p>
+            <a:pPr marL="342900" indent="-342900">
+              <a:lnSpc>
+                <a:spcPct val="150000"/>
+              </a:lnSpc>
+              <a:buClr>
+                <a:srgbClr val="ED145B"/>
+              </a:buClr>
+              <a:buFont typeface="Wingdings" panose="05000000000000000000" pitchFamily="2" charset="2"/>
+              <a:buChar char="Ø"/>
+            </a:pPr>
+            <a:r>
+              <a:rPr lang="pt-BR" sz="1600" dirty="0">
+                <a:latin typeface="Gotham HTF Light"/>
+                <a:cs typeface="Gotham HTF Light"/>
+              </a:rPr>
+              <a:t>V = Queda de tensão no resistor em Volts (V);</a:t>
+            </a:r>
+          </a:p>
+          <a:p>
+            <a:pPr marL="342900" indent="-342900">
+              <a:lnSpc>
+                <a:spcPct val="150000"/>
+              </a:lnSpc>
+              <a:buClr>
+                <a:srgbClr val="ED145B"/>
+              </a:buClr>
+              <a:buFont typeface="Wingdings" panose="05000000000000000000" pitchFamily="2" charset="2"/>
+              <a:buChar char="Ø"/>
+            </a:pPr>
+            <a:r>
+              <a:rPr lang="pt-BR" sz="1600" dirty="0">
+                <a:latin typeface="Gotham HTF Light"/>
+                <a:cs typeface="Gotham HTF Light"/>
+              </a:rPr>
+              <a:t>I = Corrente elétrica que passa pelo resistor em Amperes (A);</a:t>
+            </a:r>
+            <a:endParaRPr lang="en-US" sz="1600" dirty="0">
+              <a:latin typeface="Gotham HTF Light"/>
+              <a:cs typeface="Gotham HTF Light"/>
+            </a:endParaRPr>
           </a:p>
         </p:txBody>
       </p:sp>
       <p:sp>
         <p:nvSpPr>
-          <p:cNvPr id="7" name="Espaço Reservado para Conteúdo 4">
+          <p:cNvPr id="4" name="CaixaDeTexto 3">
             <a:extLst>
               <a:ext uri="{FF2B5EF4-FFF2-40B4-BE49-F238E27FC236}">
-                <a16:creationId xmlns:a16="http://schemas.microsoft.com/office/drawing/2014/main" id="{C076E48C-BDE2-485C-8226-89114F165508}"/>
+                <a16:creationId xmlns:a16="http://schemas.microsoft.com/office/drawing/2014/main" id="{527EF08E-D13F-B2D7-8E7E-2E4CD10D93E5}"/>
               </a:ext>
             </a:extLst>
           </p:cNvPr>
-          <p:cNvSpPr txBox="1">
-            <a:spLocks/>
-          </p:cNvSpPr>
+          <p:cNvSpPr txBox="1"/>
           <p:nvPr/>
         </p:nvSpPr>
         <p:spPr>
           <a:xfrm>
-            <a:off x="395536" y="972550"/>
-            <a:ext cx="8352928" cy="4976730"/>
+            <a:off x="467544" y="3779055"/>
+            <a:ext cx="8136904" cy="423449"/>
           </a:xfrm>
           <a:prstGeom prst="rect">
             <a:avLst/>
           </a:prstGeom>
+          <a:noFill/>
         </p:spPr>
         <p:txBody>
-          <a:bodyPr/>
-          <a:lstStyle>
-            <a:lvl1pPr marL="228600" indent="-228600" algn="l" defTabSz="914400" rtl="0" eaLnBrk="1" latinLnBrk="0" hangingPunct="1">
+          <a:bodyPr wrap="square">
+            <a:spAutoFit/>
+          </a:bodyPr>
+          <a:lstStyle/>
+          <a:p>
+            <a:pPr marL="342900" indent="-342900">
               <a:lnSpc>
-                <a:spcPct val="90000"/>
+                <a:spcPct val="150000"/>
               </a:lnSpc>
-              <a:spcBef>
-                <a:spcPts val="1000"/>
-              </a:spcBef>
-              <a:buFont typeface="Arial" panose="020B0604020202020204" pitchFamily="34" charset="0"/>
-              <a:buChar char="•"/>
-              <a:defRPr sz="2800" kern="1200">
-                <a:solidFill>
-                  <a:schemeClr val="tx1"/>
-                </a:solidFill>
-                <a:latin typeface="+mn-lt"/>
-                <a:ea typeface="+mn-ea"/>
-                <a:cs typeface="+mn-cs"/>
-              </a:defRPr>
-            </a:lvl1pPr>
-            <a:lvl2pPr marL="685800" indent="-228600" algn="l" defTabSz="914400" rtl="0" eaLnBrk="1" latinLnBrk="0" hangingPunct="1">
-              <a:lnSpc>
-                <a:spcPct val="90000"/>
-              </a:lnSpc>
-              <a:spcBef>
-                <a:spcPts val="500"/>
-              </a:spcBef>
-              <a:buFont typeface="Arial" panose="020B0604020202020204" pitchFamily="34" charset="0"/>
-              <a:buChar char="•"/>
-              <a:defRPr sz="2400" kern="1200">
-                <a:solidFill>
-                  <a:schemeClr val="tx1"/>
-                </a:solidFill>
-                <a:latin typeface="+mn-lt"/>
-                <a:ea typeface="+mn-ea"/>
-                <a:cs typeface="+mn-cs"/>
-              </a:defRPr>
-            </a:lvl2pPr>
-            <a:lvl3pPr marL="1143000" indent="-228600" algn="l" defTabSz="914400" rtl="0" eaLnBrk="1" latinLnBrk="0" hangingPunct="1">
-              <a:lnSpc>
-                <a:spcPct val="90000"/>
-              </a:lnSpc>
-              <a:spcBef>
-                <a:spcPts val="500"/>
-              </a:spcBef>
-              <a:buFont typeface="Arial" panose="020B0604020202020204" pitchFamily="34" charset="0"/>
-              <a:buChar char="•"/>
-              <a:defRPr sz="2000" kern="1200">
-                <a:solidFill>
-                  <a:schemeClr val="tx1"/>
-                </a:solidFill>
-                <a:latin typeface="+mn-lt"/>
-                <a:ea typeface="+mn-ea"/>
-                <a:cs typeface="+mn-cs"/>
-              </a:defRPr>
-            </a:lvl3pPr>
-            <a:lvl4pPr marL="1600200" indent="-228600" algn="l" defTabSz="914400" rtl="0" eaLnBrk="1" latinLnBrk="0" hangingPunct="1">
-              <a:lnSpc>
-                <a:spcPct val="90000"/>
-              </a:lnSpc>
-              <a:spcBef>
-                <a:spcPts val="500"/>
-              </a:spcBef>
-              <a:buFont typeface="Arial" panose="020B0604020202020204" pitchFamily="34" charset="0"/>
-              <a:buChar char="•"/>
-              <a:defRPr sz="1800" kern="1200">
-                <a:solidFill>
-                  <a:schemeClr val="tx1"/>
-                </a:solidFill>
-                <a:latin typeface="+mn-lt"/>
-                <a:ea typeface="+mn-ea"/>
-                <a:cs typeface="+mn-cs"/>
-              </a:defRPr>
-            </a:lvl4pPr>
-            <a:lvl5pPr marL="2057400" indent="-228600" algn="l" defTabSz="914400" rtl="0" eaLnBrk="1" latinLnBrk="0" hangingPunct="1">
-              <a:lnSpc>
-                <a:spcPct val="90000"/>
-              </a:lnSpc>
-              <a:spcBef>
-                <a:spcPts val="500"/>
-              </a:spcBef>
-              <a:buFont typeface="Arial" panose="020B0604020202020204" pitchFamily="34" charset="0"/>
-              <a:buChar char="•"/>
-              <a:defRPr sz="1800" kern="1200">
-                <a:solidFill>
-                  <a:schemeClr val="tx1"/>
-                </a:solidFill>
-                <a:latin typeface="+mn-lt"/>
-                <a:ea typeface="+mn-ea"/>
-                <a:cs typeface="+mn-cs"/>
-              </a:defRPr>
-            </a:lvl5pPr>
-            <a:lvl6pPr marL="2514600" indent="-228600" algn="l" defTabSz="914400" rtl="0" eaLnBrk="1" latinLnBrk="0" hangingPunct="1">
-              <a:lnSpc>
-                <a:spcPct val="90000"/>
-              </a:lnSpc>
-              <a:spcBef>
-                <a:spcPts val="500"/>
-              </a:spcBef>
-              <a:buFont typeface="Arial" panose="020B0604020202020204" pitchFamily="34" charset="0"/>
-              <a:buChar char="•"/>
-              <a:defRPr sz="1800" kern="1200">
-                <a:solidFill>
-                  <a:schemeClr val="tx1"/>
-                </a:solidFill>
-                <a:latin typeface="+mn-lt"/>
-                <a:ea typeface="+mn-ea"/>
-                <a:cs typeface="+mn-cs"/>
-              </a:defRPr>
-            </a:lvl6pPr>
-            <a:lvl7pPr marL="2971800" indent="-228600" algn="l" defTabSz="914400" rtl="0" eaLnBrk="1" latinLnBrk="0" hangingPunct="1">
-              <a:lnSpc>
-                <a:spcPct val="90000"/>
-              </a:lnSpc>
-              <a:spcBef>
-                <a:spcPts val="500"/>
-              </a:spcBef>
-              <a:buFont typeface="Arial" panose="020B0604020202020204" pitchFamily="34" charset="0"/>
-              <a:buChar char="•"/>
-              <a:defRPr sz="1800" kern="1200">
-                <a:solidFill>
-                  <a:schemeClr val="tx1"/>
-                </a:solidFill>
-                <a:latin typeface="+mn-lt"/>
-                <a:ea typeface="+mn-ea"/>
-                <a:cs typeface="+mn-cs"/>
-              </a:defRPr>
-            </a:lvl7pPr>
-            <a:lvl8pPr marL="3429000" indent="-228600" algn="l" defTabSz="914400" rtl="0" eaLnBrk="1" latinLnBrk="0" hangingPunct="1">
-              <a:lnSpc>
-                <a:spcPct val="90000"/>
-              </a:lnSpc>
-              <a:spcBef>
-                <a:spcPts val="500"/>
-              </a:spcBef>
-              <a:buFont typeface="Arial" panose="020B0604020202020204" pitchFamily="34" charset="0"/>
-              <a:buChar char="•"/>
-              <a:defRPr sz="1800" kern="1200">
-                <a:solidFill>
-                  <a:schemeClr val="tx1"/>
-                </a:solidFill>
-                <a:latin typeface="+mn-lt"/>
-                <a:ea typeface="+mn-ea"/>
-                <a:cs typeface="+mn-cs"/>
-              </a:defRPr>
-            </a:lvl8pPr>
-            <a:lvl9pPr marL="3886200" indent="-228600" algn="l" defTabSz="914400" rtl="0" eaLnBrk="1" latinLnBrk="0" hangingPunct="1">
-              <a:lnSpc>
-                <a:spcPct val="90000"/>
-              </a:lnSpc>
-              <a:spcBef>
-                <a:spcPts val="500"/>
-              </a:spcBef>
-              <a:buFont typeface="Arial" panose="020B0604020202020204" pitchFamily="34" charset="0"/>
-              <a:buChar char="•"/>
-              <a:defRPr sz="1800" kern="1200">
-                <a:solidFill>
-                  <a:schemeClr val="tx1"/>
-                </a:solidFill>
-                <a:latin typeface="+mn-lt"/>
-                <a:ea typeface="+mn-ea"/>
-                <a:cs typeface="+mn-cs"/>
-              </a:defRPr>
-            </a:lvl9pPr>
-          </a:lstStyle>
-          <a:p>
-            <a:pPr marL="342900" indent="-342900">
-              <a:buFont typeface="+mj-lt"/>
-              <a:buAutoNum type="arabicPeriod"/>
+              <a:buClr>
+                <a:srgbClr val="ED145B"/>
+              </a:buClr>
+              <a:buFont typeface="Wingdings" panose="05000000000000000000" pitchFamily="2" charset="2"/>
+              <a:buChar char="v"/>
             </a:pPr>
             <a:r>
-              <a:rPr lang="pt-BR" sz="1400" dirty="0">
-                <a:latin typeface="Gotham HTF"/>
+              <a:rPr lang="pt-BR" sz="1600" dirty="0">
+                <a:latin typeface="Gotham HTF Light"/>
+                <a:cs typeface="Gotham HTF Light"/>
               </a:rPr>
-              <a:t>Um resistor de 220 Ω é alimentado por uma fonte de 12V. Qual é a corrente elétrica que passa pelo resistor?</a:t>
-            </a:r>
-          </a:p>
-          <a:p>
-            <a:pPr marL="342900" indent="-342900">
-              <a:buFont typeface="+mj-lt"/>
-              <a:buAutoNum type="arabicPeriod"/>
-            </a:pPr>
-            <a:r>
-              <a:rPr lang="pt-BR" sz="1400" dirty="0">
-                <a:latin typeface="Gotham HTF"/>
-              </a:rPr>
-              <a:t>Um resistor de 100 Ω é alimentado por uma corrente elétrica de 1,5 A. Qual é a tensão elétrica aplicada no resistor?</a:t>
-            </a:r>
-          </a:p>
-          <a:p>
-            <a:pPr marL="342900" indent="-342900">
-              <a:buFont typeface="+mj-lt"/>
-              <a:buAutoNum type="arabicPeriod"/>
-            </a:pPr>
-            <a:r>
-              <a:rPr lang="pt-BR" sz="1400" dirty="0">
-                <a:latin typeface="Gotham HTF"/>
-              </a:rPr>
-              <a:t>Um resistor de 470 Ω é alimentado por uma tensão elétrica de 5V. Qual é a corrente elétrica que passa pelo resistor?</a:t>
-            </a:r>
-          </a:p>
-          <a:p>
-            <a:pPr marL="342900" indent="-342900">
-              <a:buFont typeface="+mj-lt"/>
-              <a:buAutoNum type="arabicPeriod"/>
-            </a:pPr>
-            <a:r>
-              <a:rPr lang="pt-BR" sz="1400" dirty="0">
-                <a:latin typeface="Gotham HTF"/>
-              </a:rPr>
-              <a:t>Um resistor de 33 Ω é alimentado por uma tensão elétrica de 9V. Qual é a corrente elétrica que passa pelo resistor?</a:t>
-            </a:r>
-          </a:p>
-          <a:p>
-            <a:pPr marL="342900" indent="-342900">
-              <a:buFont typeface="+mj-lt"/>
-              <a:buAutoNum type="arabicPeriod"/>
-            </a:pPr>
-            <a:r>
-              <a:rPr lang="pt-BR" sz="1400" dirty="0">
-                <a:latin typeface="Gotham HTF"/>
-              </a:rPr>
-              <a:t>Um resistor de 220 Ω é alimentado por uma corrente elétrica de 20 </a:t>
-            </a:r>
-            <a:r>
-              <a:rPr lang="pt-BR" sz="1400" dirty="0" err="1">
-                <a:latin typeface="Gotham HTF"/>
-              </a:rPr>
-              <a:t>mA.</a:t>
-            </a:r>
-            <a:r>
-              <a:rPr lang="pt-BR" sz="1400" dirty="0">
-                <a:latin typeface="Gotham HTF"/>
-              </a:rPr>
-              <a:t> Qual é a tensão elétrica aplicada no resistor?</a:t>
-            </a:r>
+              <a:t>Exemplo: Qual resistor eu devo usar para ligar um LED que consome 20mA a 3,3 Volts?</a:t>
+            </a:r>
+            <a:endParaRPr lang="en-US" sz="1600" dirty="0">
+              <a:latin typeface="Gotham HTF Light"/>
+              <a:cs typeface="Gotham HTF Light"/>
+            </a:endParaRPr>
           </a:p>
         </p:txBody>
       </p:sp>
+      <mc:AlternateContent xmlns:mc="http://schemas.openxmlformats.org/markup-compatibility/2006" xmlns:a14="http://schemas.microsoft.com/office/drawing/2010/main">
+        <mc:Choice Requires="a14">
+          <p:sp>
+            <p:nvSpPr>
+              <p:cNvPr id="6" name="CaixaDeTexto 5">
+                <a:extLst>
+                  <a:ext uri="{FF2B5EF4-FFF2-40B4-BE49-F238E27FC236}">
+                    <a16:creationId xmlns:a16="http://schemas.microsoft.com/office/drawing/2014/main" id="{F09AEFDA-13D5-165F-8746-CEA50656F0A8}"/>
+                  </a:ext>
+                </a:extLst>
+              </p:cNvPr>
+              <p:cNvSpPr txBox="1"/>
+              <p:nvPr/>
+            </p:nvSpPr>
+            <p:spPr>
+              <a:xfrm>
+                <a:off x="1436181" y="4509120"/>
+                <a:ext cx="5728107" cy="549702"/>
+              </a:xfrm>
+              <a:prstGeom prst="rect">
+                <a:avLst/>
+              </a:prstGeom>
+              <a:noFill/>
+            </p:spPr>
+            <p:txBody>
+              <a:bodyPr wrap="none" lIns="0" tIns="0" rIns="0" bIns="0" rtlCol="0">
+                <a:spAutoFit/>
+              </a:bodyPr>
+              <a:lstStyle/>
+              <a:p>
+                <a:pPr/>
+                <a14:m>
+                  <m:oMathPara xmlns:m="http://schemas.openxmlformats.org/officeDocument/2006/math">
+                    <m:oMathParaPr>
+                      <m:jc m:val="centerGroup"/>
+                    </m:oMathParaPr>
+                    <m:oMath xmlns:m="http://schemas.openxmlformats.org/officeDocument/2006/math">
+                      <m:r>
+                        <a:rPr lang="pt-BR" b="0" i="1" smtClean="0">
+                          <a:latin typeface="Cambria Math" panose="02040503050406030204" pitchFamily="18" charset="0"/>
+                        </a:rPr>
+                        <m:t>𝐿𝐸𝐼</m:t>
+                      </m:r>
+                      <m:r>
+                        <a:rPr lang="pt-BR" b="0" i="1" smtClean="0">
+                          <a:latin typeface="Cambria Math" panose="02040503050406030204" pitchFamily="18" charset="0"/>
+                        </a:rPr>
+                        <m:t> </m:t>
+                      </m:r>
+                      <m:r>
+                        <a:rPr lang="pt-BR" b="0" i="1" smtClean="0">
+                          <a:latin typeface="Cambria Math" panose="02040503050406030204" pitchFamily="18" charset="0"/>
+                        </a:rPr>
+                        <m:t>𝑑𝑒</m:t>
+                      </m:r>
+                      <m:r>
+                        <a:rPr lang="pt-BR" b="0" i="1" smtClean="0">
+                          <a:latin typeface="Cambria Math" panose="02040503050406030204" pitchFamily="18" charset="0"/>
+                        </a:rPr>
+                        <m:t> </m:t>
+                      </m:r>
+                      <m:r>
+                        <a:rPr lang="pt-BR" b="0" i="1" smtClean="0">
+                          <a:latin typeface="Cambria Math" panose="02040503050406030204" pitchFamily="18" charset="0"/>
+                        </a:rPr>
+                        <m:t>𝑂𝐻𝑀</m:t>
+                      </m:r>
+                      <m:r>
+                        <a:rPr lang="pt-BR" b="0" i="1" smtClean="0">
+                          <a:latin typeface="Cambria Math" panose="02040503050406030204" pitchFamily="18" charset="0"/>
+                        </a:rPr>
+                        <m:t> →</m:t>
+                      </m:r>
+                      <m:r>
+                        <a:rPr lang="pt-BR" b="0" i="1" smtClean="0">
+                          <a:latin typeface="Cambria Math" panose="02040503050406030204" pitchFamily="18" charset="0"/>
+                        </a:rPr>
+                        <m:t>𝑅</m:t>
+                      </m:r>
+                      <m:r>
+                        <a:rPr lang="pt-BR" b="0" i="1" smtClean="0">
+                          <a:latin typeface="Cambria Math" panose="02040503050406030204" pitchFamily="18" charset="0"/>
+                        </a:rPr>
+                        <m:t>= </m:t>
+                      </m:r>
+                      <m:f>
+                        <m:fPr>
+                          <m:ctrlPr>
+                            <a:rPr lang="pt-BR" b="0" i="1" smtClean="0">
+                              <a:latin typeface="Cambria Math" panose="02040503050406030204" pitchFamily="18" charset="0"/>
+                            </a:rPr>
+                          </m:ctrlPr>
+                        </m:fPr>
+                        <m:num>
+                          <m:r>
+                            <a:rPr lang="pt-BR" b="0" i="1" smtClean="0">
+                              <a:latin typeface="Cambria Math" panose="02040503050406030204" pitchFamily="18" charset="0"/>
+                            </a:rPr>
+                            <m:t>𝑉</m:t>
+                          </m:r>
+                        </m:num>
+                        <m:den>
+                          <m:r>
+                            <a:rPr lang="pt-BR" b="0" i="1" smtClean="0">
+                              <a:latin typeface="Cambria Math" panose="02040503050406030204" pitchFamily="18" charset="0"/>
+                            </a:rPr>
+                            <m:t>𝐼</m:t>
+                          </m:r>
+                        </m:den>
+                      </m:f>
+                      <m:r>
+                        <a:rPr lang="pt-BR" b="0" i="1" smtClean="0">
+                          <a:latin typeface="Cambria Math" panose="02040503050406030204" pitchFamily="18" charset="0"/>
+                        </a:rPr>
+                        <m:t>  →</m:t>
+                      </m:r>
+                      <m:r>
+                        <a:rPr lang="pt-BR" b="0" i="1" smtClean="0">
+                          <a:latin typeface="Cambria Math" panose="02040503050406030204" pitchFamily="18" charset="0"/>
+                        </a:rPr>
+                        <m:t>𝑅</m:t>
+                      </m:r>
+                      <m:r>
+                        <a:rPr lang="pt-BR" b="0" i="1" smtClean="0">
+                          <a:latin typeface="Cambria Math" panose="02040503050406030204" pitchFamily="18" charset="0"/>
+                        </a:rPr>
+                        <m:t>= </m:t>
+                      </m:r>
+                      <m:f>
+                        <m:fPr>
+                          <m:ctrlPr>
+                            <a:rPr lang="pt-BR" b="0" i="1" smtClean="0">
+                              <a:latin typeface="Cambria Math" panose="02040503050406030204" pitchFamily="18" charset="0"/>
+                            </a:rPr>
+                          </m:ctrlPr>
+                        </m:fPr>
+                        <m:num>
+                          <m:r>
+                            <a:rPr lang="pt-BR" b="0" i="1" smtClean="0">
+                              <a:latin typeface="Cambria Math" panose="02040503050406030204" pitchFamily="18" charset="0"/>
+                            </a:rPr>
+                            <m:t>3,3</m:t>
+                          </m:r>
+                        </m:num>
+                        <m:den>
+                          <m:r>
+                            <a:rPr lang="pt-BR" b="0" i="1" smtClean="0">
+                              <a:latin typeface="Cambria Math" panose="02040503050406030204" pitchFamily="18" charset="0"/>
+                            </a:rPr>
+                            <m:t>0,020</m:t>
+                          </m:r>
+                        </m:den>
+                      </m:f>
+                      <m:r>
+                        <a:rPr lang="pt-BR" b="0" i="1" smtClean="0">
+                          <a:latin typeface="Cambria Math" panose="02040503050406030204" pitchFamily="18" charset="0"/>
+                        </a:rPr>
+                        <m:t> →</m:t>
+                      </m:r>
+                      <m:r>
+                        <a:rPr lang="pt-BR" b="0" i="1" smtClean="0">
+                          <a:latin typeface="Cambria Math" panose="02040503050406030204" pitchFamily="18" charset="0"/>
+                        </a:rPr>
+                        <m:t>𝑅</m:t>
+                      </m:r>
+                      <m:r>
+                        <a:rPr lang="pt-BR" b="0" i="1" smtClean="0">
+                          <a:latin typeface="Cambria Math" panose="02040503050406030204" pitchFamily="18" charset="0"/>
+                        </a:rPr>
+                        <m:t>=165 </m:t>
+                      </m:r>
+                      <m:r>
+                        <a:rPr lang="pt-BR" b="0" i="1" smtClean="0">
+                          <a:latin typeface="Cambria Math" panose="02040503050406030204" pitchFamily="18" charset="0"/>
+                        </a:rPr>
+                        <m:t>𝑂h𝑚𝑠</m:t>
+                      </m:r>
+                      <m:r>
+                        <a:rPr lang="pt-BR" b="0" i="1" smtClean="0">
+                          <a:latin typeface="Cambria Math" panose="02040503050406030204" pitchFamily="18" charset="0"/>
+                        </a:rPr>
+                        <m:t> </m:t>
+                      </m:r>
+                    </m:oMath>
+                  </m:oMathPara>
+                </a14:m>
+                <a:endParaRPr lang="pt-BR" dirty="0"/>
+              </a:p>
+            </p:txBody>
+          </p:sp>
+        </mc:Choice>
+        <mc:Fallback xmlns="">
+          <p:sp>
+            <p:nvSpPr>
+              <p:cNvPr id="6" name="CaixaDeTexto 5">
+                <a:extLst>
+                  <a:ext uri="{FF2B5EF4-FFF2-40B4-BE49-F238E27FC236}">
+                    <a16:creationId xmlns:a16="http://schemas.microsoft.com/office/drawing/2014/main" id="{F09AEFDA-13D5-165F-8746-CEA50656F0A8}"/>
+                  </a:ext>
+                </a:extLst>
+              </p:cNvPr>
+              <p:cNvSpPr txBox="1">
+                <a:spLocks noRot="1" noChangeAspect="1" noMove="1" noResize="1" noEditPoints="1" noAdjustHandles="1" noChangeArrowheads="1" noChangeShapeType="1" noTextEdit="1"/>
+              </p:cNvSpPr>
+              <p:nvPr/>
+            </p:nvSpPr>
+            <p:spPr>
+              <a:xfrm>
+                <a:off x="1436181" y="4509120"/>
+                <a:ext cx="5728107" cy="549702"/>
+              </a:xfrm>
+              <a:prstGeom prst="rect">
+                <a:avLst/>
+              </a:prstGeom>
+              <a:blipFill>
+                <a:blip r:embed="rId3"/>
+                <a:stretch>
+                  <a:fillRect/>
+                </a:stretch>
+              </a:blipFill>
+            </p:spPr>
+            <p:txBody>
+              <a:bodyPr/>
+              <a:lstStyle/>
+              <a:p>
+                <a:r>
+                  <a:rPr lang="pt-BR">
+                    <a:noFill/>
+                  </a:rPr>
+                  <a:t> </a:t>
+                </a:r>
+              </a:p>
+            </p:txBody>
+          </p:sp>
+        </mc:Fallback>
+      </mc:AlternateContent>
     </p:spTree>
     <p:extLst>
       <p:ext uri="{BB962C8B-B14F-4D97-AF65-F5344CB8AC3E}">
-        <p14:creationId xmlns:p14="http://schemas.microsoft.com/office/powerpoint/2010/main" val="804863063"/>
+        <p14:creationId xmlns:p14="http://schemas.microsoft.com/office/powerpoint/2010/main" val="2457294101"/>
       </p:ext>
     </p:extLst>
   </p:cSld>
   <p:clrMapOvr>
     <a:masterClrMapping/>
   </p:clrMapOvr>
+  <mc:AlternateContent xmlns:mc="http://schemas.openxmlformats.org/markup-compatibility/2006" xmlns:p14="http://schemas.microsoft.com/office/powerpoint/2010/main">
+    <mc:Choice Requires="p14">
+      <p:transition spd="med" p14:dur="700">
+        <p:fade/>
+      </p:transition>
+    </mc:Choice>
+    <mc:Fallback xmlns="">
+      <p:transition spd="med">
+        <p:fade/>
+      </p:transition>
+    </mc:Fallback>
+  </mc:AlternateContent>
   <p:timing>
     <p:tnLst>
       <p:par>
@@ -9915,7 +10877,7 @@
                             </p:stCondLst>
                             <p:childTnLst>
                               <p:par>
-                                <p:cTn id="5" presetID="1" presetClass="entr" presetSubtype="0" fill="hold" nodeType="clickEffect">
+                                <p:cTn id="5" presetID="10" presetClass="entr" presetSubtype="0" fill="hold" grpId="0" nodeType="clickEffect">
                                   <p:stCondLst>
                                     <p:cond delay="0"/>
                                   </p:stCondLst>
@@ -9928,11 +10890,7 @@
                                           </p:stCondLst>
                                         </p:cTn>
                                         <p:tgtEl>
-                                          <p:spTgt spid="7">
-                                            <p:txEl>
-                                              <p:pRg st="0" end="0"/>
-                                            </p:txEl>
-                                          </p:spTgt>
+                                          <p:spTgt spid="3"/>
                                         </p:tgtEl>
                                         <p:attrNameLst>
                                           <p:attrName>style.visibility</p:attrName>
@@ -9942,6 +10900,14 @@
                                         <p:strVal val="visible"/>
                                       </p:to>
                                     </p:set>
+                                    <p:animEffect transition="in" filter="fade">
+                                      <p:cBhvr>
+                                        <p:cTn id="7" dur="500"/>
+                                        <p:tgtEl>
+                                          <p:spTgt spid="3"/>
+                                        </p:tgtEl>
+                                      </p:cBhvr>
+                                    </p:animEffect>
                                   </p:childTnLst>
                                 </p:cTn>
                               </p:par>
@@ -9952,36 +10918,32 @@
                     </p:cTn>
                   </p:par>
                   <p:par>
-                    <p:cTn id="7" fill="hold">
+                    <p:cTn id="8" fill="hold">
                       <p:stCondLst>
                         <p:cond delay="indefinite"/>
                       </p:stCondLst>
                       <p:childTnLst>
                         <p:par>
-                          <p:cTn id="8" fill="hold">
+                          <p:cTn id="9" fill="hold">
                             <p:stCondLst>
                               <p:cond delay="0"/>
                             </p:stCondLst>
                             <p:childTnLst>
                               <p:par>
-                                <p:cTn id="9" presetID="1" presetClass="entr" presetSubtype="0" fill="hold" nodeType="clickEffect">
+                                <p:cTn id="10" presetID="10" presetClass="entr" presetSubtype="0" fill="hold" grpId="0" nodeType="clickEffect">
                                   <p:stCondLst>
                                     <p:cond delay="0"/>
                                   </p:stCondLst>
                                   <p:childTnLst>
                                     <p:set>
                                       <p:cBhvr>
-                                        <p:cTn id="10" dur="1" fill="hold">
+                                        <p:cTn id="11" dur="1" fill="hold">
                                           <p:stCondLst>
                                             <p:cond delay="0"/>
                                           </p:stCondLst>
                                         </p:cTn>
                                         <p:tgtEl>
-                                          <p:spTgt spid="7">
-                                            <p:txEl>
-                                              <p:pRg st="1" end="1"/>
-                                            </p:txEl>
-                                          </p:spTgt>
+                                          <p:spTgt spid="4"/>
                                         </p:tgtEl>
                                         <p:attrNameLst>
                                           <p:attrName>style.visibility</p:attrName>
@@ -9991,6 +10953,14 @@
                                         <p:strVal val="visible"/>
                                       </p:to>
                                     </p:set>
+                                    <p:animEffect transition="in" filter="fade">
+                                      <p:cBhvr>
+                                        <p:cTn id="12" dur="500"/>
+                                        <p:tgtEl>
+                                          <p:spTgt spid="4"/>
+                                        </p:tgtEl>
+                                      </p:cBhvr>
+                                    </p:animEffect>
                                   </p:childTnLst>
                                 </p:cTn>
                               </p:par>
@@ -10001,36 +10971,32 @@
                     </p:cTn>
                   </p:par>
                   <p:par>
-                    <p:cTn id="11" fill="hold">
+                    <p:cTn id="13" fill="hold">
                       <p:stCondLst>
                         <p:cond delay="indefinite"/>
                       </p:stCondLst>
                       <p:childTnLst>
                         <p:par>
-                          <p:cTn id="12" fill="hold">
+                          <p:cTn id="14" fill="hold">
                             <p:stCondLst>
                               <p:cond delay="0"/>
                             </p:stCondLst>
                             <p:childTnLst>
                               <p:par>
-                                <p:cTn id="13" presetID="1" presetClass="entr" presetSubtype="0" fill="hold" nodeType="clickEffect">
+                                <p:cTn id="15" presetID="10" presetClass="entr" presetSubtype="0" fill="hold" grpId="0" nodeType="clickEffect">
                                   <p:stCondLst>
                                     <p:cond delay="0"/>
                                   </p:stCondLst>
                                   <p:childTnLst>
                                     <p:set>
                                       <p:cBhvr>
-                                        <p:cTn id="14" dur="1" fill="hold">
+                                        <p:cTn id="16" dur="1" fill="hold">
                                           <p:stCondLst>
                                             <p:cond delay="0"/>
                                           </p:stCondLst>
                                         </p:cTn>
                                         <p:tgtEl>
-                                          <p:spTgt spid="7">
-                                            <p:txEl>
-                                              <p:pRg st="2" end="2"/>
-                                            </p:txEl>
-                                          </p:spTgt>
+                                          <p:spTgt spid="6"/>
                                         </p:tgtEl>
                                         <p:attrNameLst>
                                           <p:attrName>style.visibility</p:attrName>
@@ -10040,104 +11006,14 @@
                                         <p:strVal val="visible"/>
                                       </p:to>
                                     </p:set>
-                                  </p:childTnLst>
-                                </p:cTn>
-                              </p:par>
-                            </p:childTnLst>
-                          </p:cTn>
-                        </p:par>
-                      </p:childTnLst>
-                    </p:cTn>
-                  </p:par>
-                  <p:par>
-                    <p:cTn id="15" fill="hold">
-                      <p:stCondLst>
-                        <p:cond delay="indefinite"/>
-                      </p:stCondLst>
-                      <p:childTnLst>
-                        <p:par>
-                          <p:cTn id="16" fill="hold">
-                            <p:stCondLst>
-                              <p:cond delay="0"/>
-                            </p:stCondLst>
-                            <p:childTnLst>
-                              <p:par>
-                                <p:cTn id="17" presetID="1" presetClass="entr" presetSubtype="0" fill="hold" nodeType="clickEffect">
-                                  <p:stCondLst>
-                                    <p:cond delay="0"/>
-                                  </p:stCondLst>
-                                  <p:childTnLst>
-                                    <p:set>
+                                    <p:animEffect transition="in" filter="fade">
                                       <p:cBhvr>
-                                        <p:cTn id="18" dur="1" fill="hold">
-                                          <p:stCondLst>
-                                            <p:cond delay="0"/>
-                                          </p:stCondLst>
-                                        </p:cTn>
+                                        <p:cTn id="17" dur="500"/>
                                         <p:tgtEl>
-                                          <p:spTgt spid="7">
-                                            <p:txEl>
-                                              <p:pRg st="3" end="3"/>
-                                            </p:txEl>
-                                          </p:spTgt>
+                                          <p:spTgt spid="6"/>
                                         </p:tgtEl>
-                                        <p:attrNameLst>
-                                          <p:attrName>style.visibility</p:attrName>
-                                        </p:attrNameLst>
                                       </p:cBhvr>
-                                      <p:to>
-                                        <p:strVal val="visible"/>
-                                      </p:to>
-                                    </p:set>
-                                  </p:childTnLst>
-                                </p:cTn>
-                              </p:par>
-                            </p:childTnLst>
-                          </p:cTn>
-                        </p:par>
-                      </p:childTnLst>
-                    </p:cTn>
-                  </p:par>
-                  <p:par>
-                    <p:cTn id="19" fill="hold">
-                      <p:stCondLst>
-                        <p:cond delay="indefinite"/>
-                      </p:stCondLst>
-                      <p:childTnLst>
-                        <p:par>
-                          <p:cTn id="20" fill="hold">
-                            <p:stCondLst>
-                              <p:cond delay="0"/>
-                            </p:stCondLst>
-                            <p:childTnLst>
-                              <p:par>
-                                <p:cTn id="21" presetID="1" presetClass="entr" presetSubtype="0" fill="hold" nodeType="clickEffect">
-                                  <p:stCondLst>
-                                    <p:cond delay="0"/>
-                                  </p:stCondLst>
-                                  <p:childTnLst>
-                                    <p:set>
-                                      <p:cBhvr>
-                                        <p:cTn id="22" dur="1" fill="hold">
-                                          <p:stCondLst>
-                                            <p:cond delay="0"/>
-                                          </p:stCondLst>
-                                        </p:cTn>
-                                        <p:tgtEl>
-                                          <p:spTgt spid="7">
-                                            <p:txEl>
-                                              <p:pRg st="4" end="4"/>
-                                            </p:txEl>
-                                          </p:spTgt>
-                                        </p:tgtEl>
-                                        <p:attrNameLst>
-                                          <p:attrName>style.visibility</p:attrName>
-                                        </p:attrNameLst>
-                                      </p:cBhvr>
-                                      <p:to>
-                                        <p:strVal val="visible"/>
-                                      </p:to>
-                                    </p:set>
+                                    </p:animEffect>
                                   </p:childTnLst>
                                 </p:cTn>
                               </p:par>
@@ -10168,6 +11044,11 @@
         </p:cTn>
       </p:par>
     </p:tnLst>
+    <p:bldLst>
+      <p:bldP spid="3" grpId="0"/>
+      <p:bldP spid="4" grpId="0"/>
+      <p:bldP spid="6" grpId="0"/>
+    </p:bldLst>
   </p:timing>
 </p:sld>
 </file>
